--- a/Laporan Last-Project/laporan_ppt_kelompok_1[1].pptx
+++ b/Laporan Last-Project/laporan_ppt_kelompok_1[1].pptx
@@ -126,6 +126,35 @@
     </a:lvl9pPr>
   </p:defaultTextStyle>
 </p:presentation>
+</file>
+
+<file path=ppt/changesInfos/changesInfo1.xml><?xml version="1.0" encoding="utf-8"?>
+<pc:chgInfo xmlns:a="http://schemas.openxmlformats.org/drawingml/2006/main" xmlns:r="http://schemas.openxmlformats.org/officeDocument/2006/relationships" xmlns:ac="http://schemas.microsoft.com/office/drawing/2013/main/command" xmlns:pc="http://schemas.microsoft.com/office/powerpoint/2013/main/command">
+  <pc:docChgLst>
+    <pc:chgData name="HP14s DQ5115TU" userId="1569da730affcb4a" providerId="LiveId" clId="{1C669975-22D2-43FD-ABC8-390F1412991D}"/>
+    <pc:docChg chg="modSld">
+      <pc:chgData name="HP14s DQ5115TU" userId="1569da730affcb4a" providerId="LiveId" clId="{1C669975-22D2-43FD-ABC8-390F1412991D}" dt="2025-05-23T01:11:47.796" v="0" actId="14100"/>
+      <pc:docMkLst>
+        <pc:docMk/>
+      </pc:docMkLst>
+      <pc:sldChg chg="modSp mod">
+        <pc:chgData name="HP14s DQ5115TU" userId="1569da730affcb4a" providerId="LiveId" clId="{1C669975-22D2-43FD-ABC8-390F1412991D}" dt="2025-05-23T01:11:47.796" v="0" actId="14100"/>
+        <pc:sldMkLst>
+          <pc:docMk/>
+          <pc:sldMk cId="156553855" sldId="266"/>
+        </pc:sldMkLst>
+        <pc:spChg chg="mod">
+          <ac:chgData name="HP14s DQ5115TU" userId="1569da730affcb4a" providerId="LiveId" clId="{1C669975-22D2-43FD-ABC8-390F1412991D}" dt="2025-05-23T01:11:47.796" v="0" actId="14100"/>
+          <ac:spMkLst>
+            <pc:docMk/>
+            <pc:sldMk cId="156553855" sldId="266"/>
+            <ac:spMk id="2" creationId="{D830BB7B-EE6D-3ABE-BA4C-09CFF5F1A0E6}"/>
+          </ac:spMkLst>
+        </pc:spChg>
+      </pc:sldChg>
+    </pc:docChg>
+  </pc:docChgLst>
+</pc:chgInfo>
 </file>
 
 <file path=ppt/slideLayouts/slideLayout1.xml><?xml version="1.0" encoding="utf-8"?>
@@ -5684,8 +5713,8 @@
         </p:nvSpPr>
         <p:spPr>
           <a:xfrm>
-            <a:off x="4650093" y="365126"/>
-            <a:ext cx="6703707" cy="1178990"/>
+            <a:off x="4650094" y="365126"/>
+            <a:ext cx="2940410" cy="1178990"/>
           </a:xfrm>
         </p:spPr>
         <p:txBody>
